--- a/bigbluebutton-config/web/default.pptx
+++ b/bigbluebutton-config/web/default.pptx
@@ -315,6 +315,22 @@
       </a:defRPr>
     </a:lvl9pPr>
   </p:defaultTextStyle>
+  <p:extLst>
+    <p:ext uri="{EFAFB233-063F-42B5-8137-9DF3F51BA10A}">
+      <p15:sldGuideLst xmlns:p15="http://schemas.microsoft.com/office/powerpoint/2012/main">
+        <p15:guide id="1" orient="horz" pos="4320">
+          <p15:clr>
+            <a:srgbClr val="A4A3A4"/>
+          </p15:clr>
+        </p15:guide>
+        <p15:guide id="2" pos="7680">
+          <p15:clr>
+            <a:srgbClr val="A4A3A4"/>
+          </p15:clr>
+        </p15:guide>
+      </p15:sldGuideLst>
+    </p:ext>
+  </p:extLst>
 </p:presentation>
 </file>
 
@@ -363,7 +379,7 @@
           <a:bodyPr/>
           <a:lstStyle/>
           <a:p>
-            <a:endParaRPr/>
+            <a:endParaRPr dirty="0"/>
           </a:p>
         </p:txBody>
       </p:sp>
@@ -668,7 +684,7 @@
             <a:fld id="{86CB4B4D-7CA3-9044-876B-883B54F8677D}" type="slidenum">
               <a:t>‹#›</a:t>
             </a:fld>
-            <a:endParaRPr/>
+            <a:endParaRPr dirty="0"/>
           </a:p>
         </p:txBody>
       </p:sp>
@@ -677,7 +693,7 @@
   <p:clrMapOvr>
     <a:masterClrMapping/>
   </p:clrMapOvr>
-  <p:transition xmlns:p14="http://schemas.microsoft.com/office/powerpoint/2010/main" spd="med"/>
+  <p:transition spd="med"/>
 </p:sldLayout>
 </file>
 
@@ -805,7 +821,7 @@
             <a:fld id="{86CB4B4D-7CA3-9044-876B-883B54F8677D}" type="slidenum">
               <a:t>‹#›</a:t>
             </a:fld>
-            <a:endParaRPr/>
+            <a:endParaRPr dirty="0"/>
           </a:p>
         </p:txBody>
       </p:sp>
@@ -814,7 +830,7 @@
   <p:clrMapOvr>
     <a:masterClrMapping/>
   </p:clrMapOvr>
-  <p:transition xmlns:p14="http://schemas.microsoft.com/office/powerpoint/2010/main" spd="med"/>
+  <p:transition spd="med"/>
 </p:sldLayout>
 </file>
 
@@ -860,7 +876,7 @@
           </a:bodyPr>
           <a:lstStyle/>
           <a:p>
-            <a:endParaRPr/>
+            <a:endParaRPr dirty="0"/>
           </a:p>
         </p:txBody>
       </p:sp>
@@ -886,7 +902,7 @@
             <a:fld id="{86CB4B4D-7CA3-9044-876B-883B54F8677D}" type="slidenum">
               <a:t>‹#›</a:t>
             </a:fld>
-            <a:endParaRPr/>
+            <a:endParaRPr dirty="0"/>
           </a:p>
         </p:txBody>
       </p:sp>
@@ -895,7 +911,7 @@
   <p:clrMapOvr>
     <a:masterClrMapping/>
   </p:clrMapOvr>
-  <p:transition xmlns:p14="http://schemas.microsoft.com/office/powerpoint/2010/main" spd="med"/>
+  <p:transition spd="med"/>
 </p:sldLayout>
 </file>
 
@@ -938,7 +954,7 @@
             <a:fld id="{86CB4B4D-7CA3-9044-876B-883B54F8677D}" type="slidenum">
               <a:t>‹#›</a:t>
             </a:fld>
-            <a:endParaRPr/>
+            <a:endParaRPr dirty="0"/>
           </a:p>
         </p:txBody>
       </p:sp>
@@ -947,7 +963,7 @@
   <p:clrMapOvr>
     <a:masterClrMapping/>
   </p:clrMapOvr>
-  <p:transition xmlns:p14="http://schemas.microsoft.com/office/powerpoint/2010/main" spd="med"/>
+  <p:transition spd="med"/>
 </p:sldLayout>
 </file>
 
@@ -993,7 +1009,7 @@
           </a:bodyPr>
           <a:lstStyle/>
           <a:p>
-            <a:endParaRPr/>
+            <a:endParaRPr dirty="0"/>
           </a:p>
         </p:txBody>
       </p:sp>
@@ -1142,7 +1158,7 @@
             <a:fld id="{86CB4B4D-7CA3-9044-876B-883B54F8677D}" type="slidenum">
               <a:t>‹#›</a:t>
             </a:fld>
-            <a:endParaRPr/>
+            <a:endParaRPr dirty="0"/>
           </a:p>
         </p:txBody>
       </p:sp>
@@ -1151,7 +1167,7 @@
   <p:clrMapOvr>
     <a:masterClrMapping/>
   </p:clrMapOvr>
-  <p:transition xmlns:p14="http://schemas.microsoft.com/office/powerpoint/2010/main" spd="med"/>
+  <p:transition spd="med"/>
 </p:sldLayout>
 </file>
 
@@ -1223,7 +1239,7 @@
             <a:fld id="{86CB4B4D-7CA3-9044-876B-883B54F8677D}" type="slidenum">
               <a:t>‹#›</a:t>
             </a:fld>
-            <a:endParaRPr/>
+            <a:endParaRPr dirty="0"/>
           </a:p>
         </p:txBody>
       </p:sp>
@@ -1232,7 +1248,7 @@
   <p:clrMapOvr>
     <a:masterClrMapping/>
   </p:clrMapOvr>
-  <p:transition xmlns:p14="http://schemas.microsoft.com/office/powerpoint/2010/main" spd="med"/>
+  <p:transition spd="med"/>
 </p:sldLayout>
 </file>
 
@@ -1278,7 +1294,7 @@
           </a:bodyPr>
           <a:lstStyle/>
           <a:p>
-            <a:endParaRPr/>
+            <a:endParaRPr dirty="0"/>
           </a:p>
         </p:txBody>
       </p:sp>
@@ -1431,7 +1447,7 @@
             <a:fld id="{86CB4B4D-7CA3-9044-876B-883B54F8677D}" type="slidenum">
               <a:t>‹#›</a:t>
             </a:fld>
-            <a:endParaRPr/>
+            <a:endParaRPr dirty="0"/>
           </a:p>
         </p:txBody>
       </p:sp>
@@ -1440,7 +1456,7 @@
   <p:clrMapOvr>
     <a:masterClrMapping/>
   </p:clrMapOvr>
-  <p:transition xmlns:p14="http://schemas.microsoft.com/office/powerpoint/2010/main" spd="med"/>
+  <p:transition spd="med"/>
 </p:sldLayout>
 </file>
 
@@ -1508,7 +1524,7 @@
             <a:fld id="{86CB4B4D-7CA3-9044-876B-883B54F8677D}" type="slidenum">
               <a:t>‹#›</a:t>
             </a:fld>
-            <a:endParaRPr/>
+            <a:endParaRPr dirty="0"/>
           </a:p>
         </p:txBody>
       </p:sp>
@@ -1517,7 +1533,7 @@
   <p:clrMapOvr>
     <a:masterClrMapping/>
   </p:clrMapOvr>
-  <p:transition xmlns:p14="http://schemas.microsoft.com/office/powerpoint/2010/main" spd="med"/>
+  <p:transition spd="med"/>
 </p:sldLayout>
 </file>
 
@@ -1650,7 +1666,7 @@
             <a:fld id="{86CB4B4D-7CA3-9044-876B-883B54F8677D}" type="slidenum">
               <a:t>‹#›</a:t>
             </a:fld>
-            <a:endParaRPr/>
+            <a:endParaRPr dirty="0"/>
           </a:p>
         </p:txBody>
       </p:sp>
@@ -1659,7 +1675,7 @@
   <p:clrMapOvr>
     <a:masterClrMapping/>
   </p:clrMapOvr>
-  <p:transition xmlns:p14="http://schemas.microsoft.com/office/powerpoint/2010/main" spd="med"/>
+  <p:transition spd="med"/>
 </p:sldLayout>
 </file>
 
@@ -1705,7 +1721,7 @@
           </a:bodyPr>
           <a:lstStyle/>
           <a:p>
-            <a:endParaRPr/>
+            <a:endParaRPr dirty="0"/>
           </a:p>
         </p:txBody>
       </p:sp>
@@ -1840,7 +1856,7 @@
             <a:fld id="{86CB4B4D-7CA3-9044-876B-883B54F8677D}" type="slidenum">
               <a:t>‹#›</a:t>
             </a:fld>
-            <a:endParaRPr/>
+            <a:endParaRPr dirty="0"/>
           </a:p>
         </p:txBody>
       </p:sp>
@@ -1849,7 +1865,7 @@
   <p:clrMapOvr>
     <a:masterClrMapping/>
   </p:clrMapOvr>
-  <p:transition xmlns:p14="http://schemas.microsoft.com/office/powerpoint/2010/main" spd="med"/>
+  <p:transition spd="med"/>
 </p:sldLayout>
 </file>
 
@@ -1961,7 +1977,7 @@
             <a:fld id="{86CB4B4D-7CA3-9044-876B-883B54F8677D}" type="slidenum">
               <a:t>‹#›</a:t>
             </a:fld>
-            <a:endParaRPr/>
+            <a:endParaRPr dirty="0"/>
           </a:p>
         </p:txBody>
       </p:sp>
@@ -1970,7 +1986,7 @@
   <p:clrMapOvr>
     <a:masterClrMapping/>
   </p:clrMapOvr>
-  <p:transition xmlns:p14="http://schemas.microsoft.com/office/powerpoint/2010/main" spd="med"/>
+  <p:transition spd="med"/>
 </p:sldLayout>
 </file>
 
@@ -2016,7 +2032,7 @@
           </a:bodyPr>
           <a:lstStyle/>
           <a:p>
-            <a:endParaRPr/>
+            <a:endParaRPr dirty="0"/>
           </a:p>
         </p:txBody>
       </p:sp>
@@ -2045,7 +2061,7 @@
           </a:bodyPr>
           <a:lstStyle/>
           <a:p>
-            <a:endParaRPr/>
+            <a:endParaRPr dirty="0"/>
           </a:p>
         </p:txBody>
       </p:sp>
@@ -2074,7 +2090,7 @@
           </a:bodyPr>
           <a:lstStyle/>
           <a:p>
-            <a:endParaRPr/>
+            <a:endParaRPr dirty="0"/>
           </a:p>
         </p:txBody>
       </p:sp>
@@ -2100,7 +2116,7 @@
             <a:fld id="{86CB4B4D-7CA3-9044-876B-883B54F8677D}" type="slidenum">
               <a:t>‹#›</a:t>
             </a:fld>
-            <a:endParaRPr/>
+            <a:endParaRPr dirty="0"/>
           </a:p>
         </p:txBody>
       </p:sp>
@@ -2109,7 +2125,7 @@
   <p:clrMapOvr>
     <a:masterClrMapping/>
   </p:clrMapOvr>
-  <p:transition xmlns:p14="http://schemas.microsoft.com/office/powerpoint/2010/main" spd="med"/>
+  <p:transition spd="med"/>
 </p:sldLayout>
 </file>
 
@@ -2161,7 +2177,7 @@
           </a:ln>
           <a:extLst>
             <a:ext uri="{C572A759-6A51-4108-AA02-DFA0A04FC94B}">
-              <ma14:wrappingTextBoxFlag xmlns:ma14="http://schemas.microsoft.com/office/mac/drawingml/2011/main" val="1"/>
+              <ma14:wrappingTextBoxFlag xmlns="" xmlns:ma14="http://schemas.microsoft.com/office/mac/drawingml/2011/main" val="1"/>
             </a:ext>
           </a:extLst>
         </p:spPr>
@@ -2200,7 +2216,7 @@
           </a:ln>
           <a:extLst>
             <a:ext uri="{C572A759-6A51-4108-AA02-DFA0A04FC94B}">
-              <ma14:wrappingTextBoxFlag xmlns:ma14="http://schemas.microsoft.com/office/mac/drawingml/2011/main" val="1"/>
+              <ma14:wrappingTextBoxFlag xmlns="" xmlns:ma14="http://schemas.microsoft.com/office/mac/drawingml/2011/main" val="1"/>
             </a:ext>
           </a:extLst>
         </p:spPr>
@@ -2280,7 +2296,7 @@
             <a:fld id="{86CB4B4D-7CA3-9044-876B-883B54F8677D}" type="slidenum">
               <a:t>‹#›</a:t>
             </a:fld>
-            <a:endParaRPr/>
+            <a:endParaRPr dirty="0"/>
           </a:p>
         </p:txBody>
       </p:sp>
@@ -2301,7 +2317,7 @@
     <p:sldLayoutId id="2147483659" r:id="rId11"/>
     <p:sldLayoutId id="2147483660" r:id="rId12"/>
   </p:sldLayoutIdLst>
-  <p:transition xmlns:p14="http://schemas.microsoft.com/office/powerpoint/2010/main" spd="med"/>
+  <p:transition spd="med"/>
   <p:txStyles>
     <p:titleStyle>
       <a:lvl1pPr marL="0" marR="0" indent="0" algn="ctr" defTabSz="825500" rtl="0" latinLnBrk="0">
@@ -3151,7 +3167,10 @@
                 <a:sym typeface="Helvetica Neue Medium"/>
               </a:defRPr>
             </a:pPr>
-            <a:endParaRPr/>
+            <a:endParaRPr dirty="0">
+              <a:latin typeface="メイリオ" panose="020B0604030504040204" pitchFamily="50" charset="-128"/>
+              <a:ea typeface="メイリオ" panose="020B0604030504040204" pitchFamily="50" charset="-128"/>
+            </a:endParaRPr>
           </a:p>
         </p:txBody>
       </p:sp>
@@ -3163,8 +3182,8 @@
         </p:nvSpPr>
         <p:spPr>
           <a:xfrm>
-            <a:off x="7224712" y="2330449"/>
-            <a:ext cx="9934576" cy="1079501"/>
+            <a:off x="7108079" y="2326461"/>
+            <a:ext cx="10167848" cy="1087477"/>
           </a:xfrm>
           <a:prstGeom prst="rect">
             <a:avLst/>
@@ -3174,7 +3193,7 @@
           </a:ln>
           <a:extLst>
             <a:ext uri="{C572A759-6A51-4108-AA02-DFA0A04FC94B}">
-              <ma14:wrappingTextBoxFlag xmlns:ma14="http://schemas.microsoft.com/office/mac/drawingml/2011/main" val="1"/>
+              <ma14:wrappingTextBoxFlag xmlns="" xmlns:ma14="http://schemas.microsoft.com/office/mac/drawingml/2011/main" val="1"/>
             </a:ext>
           </a:extLst>
         </p:spPr>
@@ -3197,8 +3216,23 @@
           </a:lstStyle>
           <a:p>
             <a:r>
-              <a:t>Welcome To BigBlueButton</a:t>
-            </a:r>
+              <a:rPr dirty="0" smtClean="0">
+                <a:latin typeface="メイリオ" panose="020B0604030504040204" pitchFamily="50" charset="-128"/>
+                <a:ea typeface="メイリオ" panose="020B0604030504040204" pitchFamily="50" charset="-128"/>
+              </a:rPr>
+              <a:t>BigBlueButton</a:t>
+            </a:r>
+            <a:r>
+              <a:rPr lang="ja-JP" altLang="en-US" dirty="0" smtClean="0">
+                <a:latin typeface="メイリオ" panose="020B0604030504040204" pitchFamily="50" charset="-128"/>
+                <a:ea typeface="メイリオ" panose="020B0604030504040204" pitchFamily="50" charset="-128"/>
+              </a:rPr>
+              <a:t> へようこそ</a:t>
+            </a:r>
+            <a:endParaRPr dirty="0">
+              <a:latin typeface="メイリオ" panose="020B0604030504040204" pitchFamily="50" charset="-128"/>
+              <a:ea typeface="メイリオ" panose="020B0604030504040204" pitchFamily="50" charset="-128"/>
+            </a:endParaRPr>
           </a:p>
         </p:txBody>
       </p:sp>
@@ -3210,7 +3244,7 @@
         </p:nvSpPr>
         <p:spPr>
           <a:xfrm>
-            <a:off x="11417300" y="4660900"/>
+            <a:off x="11417300" y="4762500"/>
             <a:ext cx="1549401" cy="0"/>
           </a:xfrm>
           <a:prstGeom prst="line">
@@ -3238,7 +3272,10 @@
                 <a:sym typeface="Helvetica Neue Medium"/>
               </a:defRPr>
             </a:pPr>
-            <a:endParaRPr/>
+            <a:endParaRPr dirty="0">
+              <a:latin typeface="メイリオ" panose="020B0604030504040204" pitchFamily="50" charset="-128"/>
+              <a:ea typeface="メイリオ" panose="020B0604030504040204" pitchFamily="50" charset="-128"/>
+            </a:endParaRPr>
           </a:p>
         </p:txBody>
       </p:sp>
@@ -3250,8 +3287,8 @@
         </p:nvSpPr>
         <p:spPr>
           <a:xfrm>
-            <a:off x="4609734" y="3581400"/>
-            <a:ext cx="14834332" cy="558801"/>
+            <a:off x="4252473" y="3578672"/>
+            <a:ext cx="15914614" cy="564257"/>
           </a:xfrm>
           <a:prstGeom prst="rect">
             <a:avLst/>
@@ -3261,7 +3298,7 @@
           </a:ln>
           <a:extLst>
             <a:ext uri="{C572A759-6A51-4108-AA02-DFA0A04FC94B}">
-              <ma14:wrappingTextBoxFlag xmlns:ma14="http://schemas.microsoft.com/office/mac/drawingml/2011/main" val="1"/>
+              <ma14:wrappingTextBoxFlag xmlns="" xmlns:ma14="http://schemas.microsoft.com/office/mac/drawingml/2011/main" val="1"/>
             </a:ext>
           </a:extLst>
         </p:spPr>
@@ -3284,8 +3321,37 @@
           </a:lstStyle>
           <a:p>
             <a:r>
-              <a:t>BigBlueButton is an open source web conferencing system designed for online learning</a:t>
-            </a:r>
+              <a:rPr lang="en-US" altLang="ja-JP" dirty="0">
+                <a:latin typeface="メイリオ" panose="020B0604030504040204" pitchFamily="50" charset="-128"/>
+                <a:ea typeface="メイリオ" panose="020B0604030504040204" pitchFamily="50" charset="-128"/>
+              </a:rPr>
+              <a:t>BigBlueButton</a:t>
+            </a:r>
+            <a:r>
+              <a:rPr lang="ja-JP" altLang="en-US" dirty="0">
+                <a:latin typeface="メイリオ" panose="020B0604030504040204" pitchFamily="50" charset="-128"/>
+                <a:ea typeface="メイリオ" panose="020B0604030504040204" pitchFamily="50" charset="-128"/>
+              </a:rPr>
+              <a:t>は、オンライン学習用に設計されたオープンソースの</a:t>
+            </a:r>
+            <a:r>
+              <a:rPr lang="en-US" altLang="ja-JP" dirty="0">
+                <a:latin typeface="メイリオ" panose="020B0604030504040204" pitchFamily="50" charset="-128"/>
+                <a:ea typeface="メイリオ" panose="020B0604030504040204" pitchFamily="50" charset="-128"/>
+              </a:rPr>
+              <a:t>Web</a:t>
+            </a:r>
+            <a:r>
+              <a:rPr lang="ja-JP" altLang="en-US" dirty="0">
+                <a:latin typeface="メイリオ" panose="020B0604030504040204" pitchFamily="50" charset="-128"/>
+                <a:ea typeface="メイリオ" panose="020B0604030504040204" pitchFamily="50" charset="-128"/>
+              </a:rPr>
+              <a:t>会議システムです</a:t>
+            </a:r>
+            <a:endParaRPr dirty="0">
+              <a:latin typeface="メイリオ" panose="020B0604030504040204" pitchFamily="50" charset="-128"/>
+              <a:ea typeface="メイリオ" panose="020B0604030504040204" pitchFamily="50" charset="-128"/>
+            </a:endParaRPr>
           </a:p>
         </p:txBody>
       </p:sp>
@@ -3318,7 +3384,7 @@
           </a:effectLst>
           <a:extLst>
             <a:ext uri="{C572A759-6A51-4108-AA02-DFA0A04FC94B}">
-              <ma14:wrappingTextBoxFlag xmlns:ma14="http://schemas.microsoft.com/office/mac/drawingml/2011/main" val="1"/>
+              <ma14:wrappingTextBoxFlag xmlns="" xmlns:ma14="http://schemas.microsoft.com/office/mac/drawingml/2011/main" val="1"/>
             </a:ext>
           </a:extLst>
         </p:spPr>
@@ -3339,6 +3405,10 @@
           </a:lstStyle>
           <a:p>
             <a:r>
+              <a:rPr dirty="0">
+                <a:latin typeface="メイリオ" panose="020B0604030504040204" pitchFamily="50" charset="-128"/>
+                <a:ea typeface="メイリオ" panose="020B0604030504040204" pitchFamily="50" charset="-128"/>
+              </a:rPr>
               <a:t>t</a:t>
             </a:r>
           </a:p>
@@ -3353,7 +3423,7 @@
         <p:spPr>
           <a:xfrm>
             <a:off x="3549164" y="6546899"/>
-            <a:ext cx="3320208" cy="304801"/>
+            <a:ext cx="3320208" cy="369332"/>
           </a:xfrm>
           <a:prstGeom prst="rect">
             <a:avLst/>
@@ -3363,7 +3433,7 @@
           </a:ln>
           <a:extLst>
             <a:ext uri="{C572A759-6A51-4108-AA02-DFA0A04FC94B}">
-              <ma14:wrappingTextBoxFlag xmlns:ma14="http://schemas.microsoft.com/office/mac/drawingml/2011/main" val="1"/>
+              <ma14:wrappingTextBoxFlag xmlns="" xmlns:ma14="http://schemas.microsoft.com/office/mac/drawingml/2011/main" val="1"/>
             </a:ext>
           </a:extLst>
         </p:spPr>
@@ -3386,10 +3456,16 @@
           </a:lstStyle>
           <a:p>
             <a:r>
-              <a:rPr lang="en-US" dirty="0" smtClean="0"/>
-              <a:t>Chat</a:t>
-            </a:r>
-            <a:endParaRPr dirty="0"/>
+              <a:rPr lang="ja-JP" altLang="en-US" sz="2400" dirty="0" smtClean="0">
+                <a:latin typeface="メイリオ" panose="020B0604030504040204" pitchFamily="50" charset="-128"/>
+                <a:ea typeface="メイリオ" panose="020B0604030504040204" pitchFamily="50" charset="-128"/>
+              </a:rPr>
+              <a:t>チャット</a:t>
+            </a:r>
+            <a:endParaRPr sz="2400" dirty="0">
+              <a:latin typeface="メイリオ" panose="020B0604030504040204" pitchFamily="50" charset="-128"/>
+              <a:ea typeface="メイリオ" panose="020B0604030504040204" pitchFamily="50" charset="-128"/>
+            </a:endParaRPr>
           </a:p>
         </p:txBody>
       </p:sp>
@@ -3412,7 +3488,7 @@
           </a:ln>
           <a:extLst>
             <a:ext uri="{C572A759-6A51-4108-AA02-DFA0A04FC94B}">
-              <ma14:wrappingTextBoxFlag xmlns:ma14="http://schemas.microsoft.com/office/mac/drawingml/2011/main" val="1"/>
+              <ma14:wrappingTextBoxFlag xmlns="" xmlns:ma14="http://schemas.microsoft.com/office/mac/drawingml/2011/main" val="1"/>
             </a:ext>
           </a:extLst>
         </p:spPr>
@@ -3436,8 +3512,23 @@
           </a:lstStyle>
           <a:p>
             <a:r>
-              <a:t>Send public and private messages.</a:t>
-            </a:r>
+              <a:rPr lang="ja-JP" altLang="en-US" dirty="0" smtClean="0">
+                <a:latin typeface="メイリオ" panose="020B0604030504040204" pitchFamily="50" charset="-128"/>
+                <a:ea typeface="メイリオ" panose="020B0604030504040204" pitchFamily="50" charset="-128"/>
+              </a:rPr>
+              <a:t>パブリックメッセージやプライベートメッセージ</a:t>
+            </a:r>
+            <a:r>
+              <a:rPr lang="ja-JP" altLang="en-US" dirty="0">
+                <a:latin typeface="メイリオ" panose="020B0604030504040204" pitchFamily="50" charset="-128"/>
+                <a:ea typeface="メイリオ" panose="020B0604030504040204" pitchFamily="50" charset="-128"/>
+              </a:rPr>
+              <a:t>を送信します。</a:t>
+            </a:r>
+            <a:endParaRPr dirty="0">
+              <a:latin typeface="メイリオ" panose="020B0604030504040204" pitchFamily="50" charset="-128"/>
+              <a:ea typeface="メイリオ" panose="020B0604030504040204" pitchFamily="50" charset="-128"/>
+            </a:endParaRPr>
           </a:p>
         </p:txBody>
       </p:sp>
@@ -3477,7 +3568,10 @@
                 <a:sym typeface="Helvetica"/>
               </a:defRPr>
             </a:pPr>
-            <a:endParaRPr/>
+            <a:endParaRPr dirty="0">
+              <a:latin typeface="メイリオ" panose="020B0604030504040204" pitchFamily="50" charset="-128"/>
+              <a:ea typeface="メイリオ" panose="020B0604030504040204" pitchFamily="50" charset="-128"/>
+            </a:endParaRPr>
           </a:p>
         </p:txBody>
       </p:sp>
@@ -3490,7 +3584,7 @@
         <p:spPr>
           <a:xfrm>
             <a:off x="8541660" y="6546899"/>
-            <a:ext cx="3320207" cy="304801"/>
+            <a:ext cx="3320207" cy="369332"/>
           </a:xfrm>
           <a:prstGeom prst="rect">
             <a:avLst/>
@@ -3500,7 +3594,7 @@
           </a:ln>
           <a:extLst>
             <a:ext uri="{C572A759-6A51-4108-AA02-DFA0A04FC94B}">
-              <ma14:wrappingTextBoxFlag xmlns:ma14="http://schemas.microsoft.com/office/mac/drawingml/2011/main" val="1"/>
+              <ma14:wrappingTextBoxFlag xmlns="" xmlns:ma14="http://schemas.microsoft.com/office/mac/drawingml/2011/main" val="1"/>
             </a:ext>
           </a:extLst>
         </p:spPr>
@@ -3523,10 +3617,23 @@
           </a:lstStyle>
           <a:p>
             <a:r>
-              <a:rPr dirty="0" smtClean="0"/>
-              <a:t>Webcams</a:t>
-            </a:r>
-            <a:endParaRPr dirty="0"/>
+              <a:rPr lang="en-US" altLang="ja-JP" sz="2400" dirty="0" smtClean="0">
+                <a:latin typeface="メイリオ" panose="020B0604030504040204" pitchFamily="50" charset="-128"/>
+                <a:ea typeface="メイリオ" panose="020B0604030504040204" pitchFamily="50" charset="-128"/>
+              </a:rPr>
+              <a:t>WEB</a:t>
+            </a:r>
+            <a:r>
+              <a:rPr lang="ja-JP" altLang="en-US" sz="2400" dirty="0" smtClean="0">
+                <a:latin typeface="メイリオ" panose="020B0604030504040204" pitchFamily="50" charset="-128"/>
+                <a:ea typeface="メイリオ" panose="020B0604030504040204" pitchFamily="50" charset="-128"/>
+              </a:rPr>
+              <a:t>カメラ</a:t>
+            </a:r>
+            <a:endParaRPr sz="2400" dirty="0">
+              <a:latin typeface="メイリオ" panose="020B0604030504040204" pitchFamily="50" charset="-128"/>
+              <a:ea typeface="メイリオ" panose="020B0604030504040204" pitchFamily="50" charset="-128"/>
+            </a:endParaRPr>
           </a:p>
         </p:txBody>
       </p:sp>
@@ -3549,7 +3656,7 @@
           </a:ln>
           <a:extLst>
             <a:ext uri="{C572A759-6A51-4108-AA02-DFA0A04FC94B}">
-              <ma14:wrappingTextBoxFlag xmlns:ma14="http://schemas.microsoft.com/office/mac/drawingml/2011/main" val="1"/>
+              <ma14:wrappingTextBoxFlag xmlns="" xmlns:ma14="http://schemas.microsoft.com/office/mac/drawingml/2011/main" val="1"/>
             </a:ext>
           </a:extLst>
         </p:spPr>
@@ -3573,8 +3680,23 @@
           </a:lstStyle>
           <a:p>
             <a:r>
-              <a:t>Hold visual meetings.</a:t>
-            </a:r>
+              <a:rPr lang="ja-JP" altLang="en-US" dirty="0" smtClean="0">
+                <a:latin typeface="メイリオ" panose="020B0604030504040204" pitchFamily="50" charset="-128"/>
+                <a:ea typeface="メイリオ" panose="020B0604030504040204" pitchFamily="50" charset="-128"/>
+              </a:rPr>
+              <a:t>ビジュアルな会議を</a:t>
+            </a:r>
+            <a:r>
+              <a:rPr lang="ja-JP" altLang="en-US" dirty="0">
+                <a:latin typeface="メイリオ" panose="020B0604030504040204" pitchFamily="50" charset="-128"/>
+                <a:ea typeface="メイリオ" panose="020B0604030504040204" pitchFamily="50" charset="-128"/>
+              </a:rPr>
+              <a:t>開催します。</a:t>
+            </a:r>
+            <a:endParaRPr dirty="0">
+              <a:latin typeface="メイリオ" panose="020B0604030504040204" pitchFamily="50" charset="-128"/>
+              <a:ea typeface="メイリオ" panose="020B0604030504040204" pitchFamily="50" charset="-128"/>
+            </a:endParaRPr>
           </a:p>
         </p:txBody>
       </p:sp>
@@ -3614,7 +3736,10 @@
                 <a:sym typeface="Helvetica"/>
               </a:defRPr>
             </a:pPr>
-            <a:endParaRPr/>
+            <a:endParaRPr dirty="0">
+              <a:latin typeface="メイリオ" panose="020B0604030504040204" pitchFamily="50" charset="-128"/>
+              <a:ea typeface="メイリオ" panose="020B0604030504040204" pitchFamily="50" charset="-128"/>
+            </a:endParaRPr>
           </a:p>
         </p:txBody>
       </p:sp>
@@ -3627,7 +3752,7 @@
         <p:spPr>
           <a:xfrm>
             <a:off x="13851655" y="6546899"/>
-            <a:ext cx="3320207" cy="304801"/>
+            <a:ext cx="3320207" cy="369332"/>
           </a:xfrm>
           <a:prstGeom prst="rect">
             <a:avLst/>
@@ -3637,7 +3762,7 @@
           </a:ln>
           <a:extLst>
             <a:ext uri="{C572A759-6A51-4108-AA02-DFA0A04FC94B}">
-              <ma14:wrappingTextBoxFlag xmlns:ma14="http://schemas.microsoft.com/office/mac/drawingml/2011/main" val="1"/>
+              <ma14:wrappingTextBoxFlag xmlns="" xmlns:ma14="http://schemas.microsoft.com/office/mac/drawingml/2011/main" val="1"/>
             </a:ext>
           </a:extLst>
         </p:spPr>
@@ -3660,10 +3785,16 @@
           </a:lstStyle>
           <a:p>
             <a:r>
-              <a:rPr dirty="0" smtClean="0"/>
-              <a:t>Audio</a:t>
-            </a:r>
-            <a:endParaRPr dirty="0"/>
+              <a:rPr lang="ja-JP" altLang="en-US" sz="2400" dirty="0" smtClean="0">
+                <a:latin typeface="メイリオ" panose="020B0604030504040204" pitchFamily="50" charset="-128"/>
+                <a:ea typeface="メイリオ" panose="020B0604030504040204" pitchFamily="50" charset="-128"/>
+              </a:rPr>
+              <a:t>オーディオ</a:t>
+            </a:r>
+            <a:endParaRPr sz="2400" dirty="0">
+              <a:latin typeface="メイリオ" panose="020B0604030504040204" pitchFamily="50" charset="-128"/>
+              <a:ea typeface="メイリオ" panose="020B0604030504040204" pitchFamily="50" charset="-128"/>
+            </a:endParaRPr>
           </a:p>
         </p:txBody>
       </p:sp>
@@ -3686,7 +3817,7 @@
           </a:ln>
           <a:extLst>
             <a:ext uri="{C572A759-6A51-4108-AA02-DFA0A04FC94B}">
-              <ma14:wrappingTextBoxFlag xmlns:ma14="http://schemas.microsoft.com/office/mac/drawingml/2011/main" val="1"/>
+              <ma14:wrappingTextBoxFlag xmlns="" xmlns:ma14="http://schemas.microsoft.com/office/mac/drawingml/2011/main" val="1"/>
             </a:ext>
           </a:extLst>
         </p:spPr>
@@ -3710,9 +3841,16 @@
           </a:lstStyle>
           <a:p>
             <a:r>
-              <a:rPr dirty="0"/>
-              <a:t>Communicate using high quality audio.</a:t>
-            </a:r>
+              <a:rPr lang="ja-JP" altLang="en-US" dirty="0">
+                <a:latin typeface="メイリオ" panose="020B0604030504040204" pitchFamily="50" charset="-128"/>
+                <a:ea typeface="メイリオ" panose="020B0604030504040204" pitchFamily="50" charset="-128"/>
+              </a:rPr>
+              <a:t>高品質のオーディオを使用して通信します。</a:t>
+            </a:r>
+            <a:endParaRPr dirty="0">
+              <a:latin typeface="メイリオ" panose="020B0604030504040204" pitchFamily="50" charset="-128"/>
+              <a:ea typeface="メイリオ" panose="020B0604030504040204" pitchFamily="50" charset="-128"/>
+            </a:endParaRPr>
           </a:p>
         </p:txBody>
       </p:sp>
@@ -3752,7 +3890,10 @@
                 <a:sym typeface="Helvetica"/>
               </a:defRPr>
             </a:pPr>
-            <a:endParaRPr/>
+            <a:endParaRPr dirty="0">
+              <a:latin typeface="メイリオ" panose="020B0604030504040204" pitchFamily="50" charset="-128"/>
+              <a:ea typeface="メイリオ" panose="020B0604030504040204" pitchFamily="50" charset="-128"/>
+            </a:endParaRPr>
           </a:p>
         </p:txBody>
       </p:sp>
@@ -3765,7 +3906,7 @@
         <p:spPr>
           <a:xfrm>
             <a:off x="18844150" y="6546899"/>
-            <a:ext cx="3320208" cy="304801"/>
+            <a:ext cx="3320208" cy="369332"/>
           </a:xfrm>
           <a:prstGeom prst="rect">
             <a:avLst/>
@@ -3775,7 +3916,7 @@
           </a:ln>
           <a:extLst>
             <a:ext uri="{C572A759-6A51-4108-AA02-DFA0A04FC94B}">
-              <ma14:wrappingTextBoxFlag xmlns:ma14="http://schemas.microsoft.com/office/mac/drawingml/2011/main" val="1"/>
+              <ma14:wrappingTextBoxFlag xmlns="" xmlns:ma14="http://schemas.microsoft.com/office/mac/drawingml/2011/main" val="1"/>
             </a:ext>
           </a:extLst>
         </p:spPr>
@@ -3798,8 +3939,16 @@
           </a:lstStyle>
           <a:p>
             <a:r>
-              <a:t>Emojis</a:t>
-            </a:r>
+              <a:rPr lang="ja-JP" altLang="en-US" sz="2400" dirty="0" smtClean="0">
+                <a:latin typeface="メイリオ" panose="020B0604030504040204" pitchFamily="50" charset="-128"/>
+                <a:ea typeface="メイリオ" panose="020B0604030504040204" pitchFamily="50" charset="-128"/>
+              </a:rPr>
+              <a:t>絵文字</a:t>
+            </a:r>
+            <a:endParaRPr sz="2400" dirty="0">
+              <a:latin typeface="メイリオ" panose="020B0604030504040204" pitchFamily="50" charset="-128"/>
+              <a:ea typeface="メイリオ" panose="020B0604030504040204" pitchFamily="50" charset="-128"/>
+            </a:endParaRPr>
           </a:p>
         </p:txBody>
       </p:sp>
@@ -3822,7 +3971,7 @@
           </a:ln>
           <a:extLst>
             <a:ext uri="{C572A759-6A51-4108-AA02-DFA0A04FC94B}">
-              <ma14:wrappingTextBoxFlag xmlns:ma14="http://schemas.microsoft.com/office/mac/drawingml/2011/main" val="1"/>
+              <ma14:wrappingTextBoxFlag xmlns="" xmlns:ma14="http://schemas.microsoft.com/office/mac/drawingml/2011/main" val="1"/>
             </a:ext>
           </a:extLst>
         </p:spPr>
@@ -3846,8 +3995,16 @@
           </a:lstStyle>
           <a:p>
             <a:r>
-              <a:t>Express yourself.</a:t>
-            </a:r>
+              <a:rPr lang="ja-JP" altLang="en-US" dirty="0" smtClean="0">
+                <a:latin typeface="メイリオ" panose="020B0604030504040204" pitchFamily="50" charset="-128"/>
+                <a:ea typeface="メイリオ" panose="020B0604030504040204" pitchFamily="50" charset="-128"/>
+              </a:rPr>
+              <a:t>自分の意志を表現します。</a:t>
+            </a:r>
+            <a:endParaRPr dirty="0">
+              <a:latin typeface="メイリオ" panose="020B0604030504040204" pitchFamily="50" charset="-128"/>
+              <a:ea typeface="メイリオ" panose="020B0604030504040204" pitchFamily="50" charset="-128"/>
+            </a:endParaRPr>
           </a:p>
         </p:txBody>
       </p:sp>
@@ -3887,7 +4044,10 @@
                 <a:sym typeface="Helvetica"/>
               </a:defRPr>
             </a:pPr>
-            <a:endParaRPr/>
+            <a:endParaRPr dirty="0">
+              <a:latin typeface="メイリオ" panose="020B0604030504040204" pitchFamily="50" charset="-128"/>
+              <a:ea typeface="メイリオ" panose="020B0604030504040204" pitchFamily="50" charset="-128"/>
+            </a:endParaRPr>
           </a:p>
         </p:txBody>
       </p:sp>
@@ -3900,7 +4060,7 @@
         <p:spPr>
           <a:xfrm>
             <a:off x="3549164" y="8909099"/>
-            <a:ext cx="4117877" cy="304801"/>
+            <a:ext cx="4117877" cy="369332"/>
           </a:xfrm>
           <a:prstGeom prst="rect">
             <a:avLst/>
@@ -3910,7 +4070,7 @@
           </a:ln>
           <a:extLst>
             <a:ext uri="{C572A759-6A51-4108-AA02-DFA0A04FC94B}">
-              <ma14:wrappingTextBoxFlag xmlns:ma14="http://schemas.microsoft.com/office/mac/drawingml/2011/main" val="1"/>
+              <ma14:wrappingTextBoxFlag xmlns="" xmlns:ma14="http://schemas.microsoft.com/office/mac/drawingml/2011/main" val="1"/>
             </a:ext>
           </a:extLst>
         </p:spPr>
@@ -3933,8 +4093,16 @@
           </a:lstStyle>
           <a:p>
             <a:r>
-              <a:t>BREAKOUT ROOMS</a:t>
-            </a:r>
+              <a:rPr lang="ja-JP" altLang="en-US" sz="2400" dirty="0">
+                <a:latin typeface="メイリオ" panose="020B0604030504040204" pitchFamily="50" charset="-128"/>
+                <a:ea typeface="メイリオ" panose="020B0604030504040204" pitchFamily="50" charset="-128"/>
+              </a:rPr>
+              <a:t>小会議室</a:t>
+            </a:r>
+            <a:endParaRPr sz="2400" dirty="0">
+              <a:latin typeface="メイリオ" panose="020B0604030504040204" pitchFamily="50" charset="-128"/>
+              <a:ea typeface="メイリオ" panose="020B0604030504040204" pitchFamily="50" charset="-128"/>
+            </a:endParaRPr>
           </a:p>
         </p:txBody>
       </p:sp>
@@ -3957,7 +4125,7 @@
           </a:ln>
           <a:extLst>
             <a:ext uri="{C572A759-6A51-4108-AA02-DFA0A04FC94B}">
-              <ma14:wrappingTextBoxFlag xmlns:ma14="http://schemas.microsoft.com/office/mac/drawingml/2011/main" val="1"/>
+              <ma14:wrappingTextBoxFlag xmlns="" xmlns:ma14="http://schemas.microsoft.com/office/mac/drawingml/2011/main" val="1"/>
             </a:ext>
           </a:extLst>
         </p:spPr>
@@ -3981,8 +4149,23 @@
           </a:lstStyle>
           <a:p>
             <a:r>
-              <a:t>Group users into breakout rooms for team collaboration.</a:t>
-            </a:r>
+              <a:rPr lang="ja-JP" altLang="en-US" dirty="0" smtClean="0">
+                <a:latin typeface="メイリオ" panose="020B0604030504040204" pitchFamily="50" charset="-128"/>
+                <a:ea typeface="メイリオ" panose="020B0604030504040204" pitchFamily="50" charset="-128"/>
+              </a:rPr>
+              <a:t>チームのコラボレーション用にユーザを</a:t>
+            </a:r>
+            <a:r>
+              <a:rPr lang="ja-JP" altLang="en-US" dirty="0">
+                <a:latin typeface="メイリオ" panose="020B0604030504040204" pitchFamily="50" charset="-128"/>
+                <a:ea typeface="メイリオ" panose="020B0604030504040204" pitchFamily="50" charset="-128"/>
+              </a:rPr>
+              <a:t>小会議室にグループ化します。</a:t>
+            </a:r>
+            <a:endParaRPr dirty="0">
+              <a:latin typeface="メイリオ" panose="020B0604030504040204" pitchFamily="50" charset="-128"/>
+              <a:ea typeface="メイリオ" panose="020B0604030504040204" pitchFamily="50" charset="-128"/>
+            </a:endParaRPr>
           </a:p>
         </p:txBody>
       </p:sp>
@@ -4022,7 +4205,10 @@
                 <a:sym typeface="Helvetica"/>
               </a:defRPr>
             </a:pPr>
-            <a:endParaRPr/>
+            <a:endParaRPr dirty="0">
+              <a:latin typeface="メイリオ" panose="020B0604030504040204" pitchFamily="50" charset="-128"/>
+              <a:ea typeface="メイリオ" panose="020B0604030504040204" pitchFamily="50" charset="-128"/>
+            </a:endParaRPr>
           </a:p>
         </p:txBody>
       </p:sp>
@@ -4035,7 +4221,7 @@
         <p:spPr>
           <a:xfrm>
             <a:off x="8541660" y="8909099"/>
-            <a:ext cx="3320207" cy="304801"/>
+            <a:ext cx="3320207" cy="369332"/>
           </a:xfrm>
           <a:prstGeom prst="rect">
             <a:avLst/>
@@ -4045,7 +4231,7 @@
           </a:ln>
           <a:extLst>
             <a:ext uri="{C572A759-6A51-4108-AA02-DFA0A04FC94B}">
-              <ma14:wrappingTextBoxFlag xmlns:ma14="http://schemas.microsoft.com/office/mac/drawingml/2011/main" val="1"/>
+              <ma14:wrappingTextBoxFlag xmlns="" xmlns:ma14="http://schemas.microsoft.com/office/mac/drawingml/2011/main" val="1"/>
             </a:ext>
           </a:extLst>
         </p:spPr>
@@ -4068,8 +4254,16 @@
           </a:lstStyle>
           <a:p>
             <a:r>
-              <a:t>Polling</a:t>
-            </a:r>
+              <a:rPr lang="ja-JP" altLang="en-US" sz="2400" dirty="0">
+                <a:latin typeface="メイリオ" panose="020B0604030504040204" pitchFamily="50" charset="-128"/>
+                <a:ea typeface="メイリオ" panose="020B0604030504040204" pitchFamily="50" charset="-128"/>
+              </a:rPr>
+              <a:t>投票</a:t>
+            </a:r>
+            <a:endParaRPr sz="2400" dirty="0">
+              <a:latin typeface="メイリオ" panose="020B0604030504040204" pitchFamily="50" charset="-128"/>
+              <a:ea typeface="メイリオ" panose="020B0604030504040204" pitchFamily="50" charset="-128"/>
+            </a:endParaRPr>
           </a:p>
         </p:txBody>
       </p:sp>
@@ -4092,7 +4286,7 @@
           </a:ln>
           <a:extLst>
             <a:ext uri="{C572A759-6A51-4108-AA02-DFA0A04FC94B}">
-              <ma14:wrappingTextBoxFlag xmlns:ma14="http://schemas.microsoft.com/office/mac/drawingml/2011/main" val="1"/>
+              <ma14:wrappingTextBoxFlag xmlns="" xmlns:ma14="http://schemas.microsoft.com/office/mac/drawingml/2011/main" val="1"/>
             </a:ext>
           </a:extLst>
         </p:spPr>
@@ -4116,8 +4310,23 @@
           </a:lstStyle>
           <a:p>
             <a:r>
-              <a:t>Poll your users anytime.</a:t>
-            </a:r>
+              <a:rPr lang="ja-JP" altLang="en-US" dirty="0">
+                <a:latin typeface="メイリオ" panose="020B0604030504040204" pitchFamily="50" charset="-128"/>
+                <a:ea typeface="メイリオ" panose="020B0604030504040204" pitchFamily="50" charset="-128"/>
+              </a:rPr>
+              <a:t>いつでも</a:t>
+            </a:r>
+            <a:r>
+              <a:rPr lang="ja-JP" altLang="en-US" dirty="0" smtClean="0">
+                <a:latin typeface="メイリオ" panose="020B0604030504040204" pitchFamily="50" charset="-128"/>
+                <a:ea typeface="メイリオ" panose="020B0604030504040204" pitchFamily="50" charset="-128"/>
+              </a:rPr>
+              <a:t>ユーザからの投票ができます。</a:t>
+            </a:r>
+            <a:endParaRPr dirty="0">
+              <a:latin typeface="メイリオ" panose="020B0604030504040204" pitchFamily="50" charset="-128"/>
+              <a:ea typeface="メイリオ" panose="020B0604030504040204" pitchFamily="50" charset="-128"/>
+            </a:endParaRPr>
           </a:p>
         </p:txBody>
       </p:sp>
@@ -4157,7 +4366,10 @@
                 <a:sym typeface="Helvetica"/>
               </a:defRPr>
             </a:pPr>
-            <a:endParaRPr/>
+            <a:endParaRPr dirty="0">
+              <a:latin typeface="メイリオ" panose="020B0604030504040204" pitchFamily="50" charset="-128"/>
+              <a:ea typeface="メイリオ" panose="020B0604030504040204" pitchFamily="50" charset="-128"/>
+            </a:endParaRPr>
           </a:p>
         </p:txBody>
       </p:sp>
@@ -4170,7 +4382,7 @@
         <p:spPr>
           <a:xfrm>
             <a:off x="13851655" y="8909099"/>
-            <a:ext cx="3320207" cy="304801"/>
+            <a:ext cx="3320207" cy="369332"/>
           </a:xfrm>
           <a:prstGeom prst="rect">
             <a:avLst/>
@@ -4180,7 +4392,7 @@
           </a:ln>
           <a:extLst>
             <a:ext uri="{C572A759-6A51-4108-AA02-DFA0A04FC94B}">
-              <ma14:wrappingTextBoxFlag xmlns:ma14="http://schemas.microsoft.com/office/mac/drawingml/2011/main" val="1"/>
+              <ma14:wrappingTextBoxFlag xmlns="" xmlns:ma14="http://schemas.microsoft.com/office/mac/drawingml/2011/main" val="1"/>
             </a:ext>
           </a:extLst>
         </p:spPr>
@@ -4203,18 +4415,16 @@
           </a:lstStyle>
           <a:p>
             <a:r>
-              <a:rPr dirty="0" smtClean="0"/>
-              <a:t>Screen</a:t>
-            </a:r>
-            <a:r>
-              <a:rPr lang="en-US" dirty="0" smtClean="0"/>
-              <a:t> </a:t>
-            </a:r>
-            <a:r>
-              <a:rPr dirty="0" smtClean="0"/>
-              <a:t>sharing</a:t>
-            </a:r>
-            <a:endParaRPr dirty="0"/>
+              <a:rPr lang="ja-JP" altLang="en-US" sz="2400" dirty="0" smtClean="0">
+                <a:latin typeface="メイリオ" panose="020B0604030504040204" pitchFamily="50" charset="-128"/>
+                <a:ea typeface="メイリオ" panose="020B0604030504040204" pitchFamily="50" charset="-128"/>
+              </a:rPr>
+              <a:t>画面共有</a:t>
+            </a:r>
+            <a:endParaRPr sz="2400" dirty="0">
+              <a:latin typeface="メイリオ" panose="020B0604030504040204" pitchFamily="50" charset="-128"/>
+              <a:ea typeface="メイリオ" panose="020B0604030504040204" pitchFamily="50" charset="-128"/>
+            </a:endParaRPr>
           </a:p>
         </p:txBody>
       </p:sp>
@@ -4237,7 +4447,7 @@
           </a:ln>
           <a:extLst>
             <a:ext uri="{C572A759-6A51-4108-AA02-DFA0A04FC94B}">
-              <ma14:wrappingTextBoxFlag xmlns:ma14="http://schemas.microsoft.com/office/mac/drawingml/2011/main" val="1"/>
+              <ma14:wrappingTextBoxFlag xmlns="" xmlns:ma14="http://schemas.microsoft.com/office/mac/drawingml/2011/main" val="1"/>
             </a:ext>
           </a:extLst>
         </p:spPr>
@@ -4261,8 +4471,16 @@
           </a:lstStyle>
           <a:p>
             <a:r>
-              <a:t>Share your screen.</a:t>
-            </a:r>
+              <a:rPr lang="ja-JP" altLang="en-US" dirty="0">
+                <a:latin typeface="メイリオ" panose="020B0604030504040204" pitchFamily="50" charset="-128"/>
+                <a:ea typeface="メイリオ" panose="020B0604030504040204" pitchFamily="50" charset="-128"/>
+              </a:rPr>
+              <a:t>画面を共有します。</a:t>
+            </a:r>
+            <a:endParaRPr dirty="0">
+              <a:latin typeface="メイリオ" panose="020B0604030504040204" pitchFamily="50" charset="-128"/>
+              <a:ea typeface="メイリオ" panose="020B0604030504040204" pitchFamily="50" charset="-128"/>
+            </a:endParaRPr>
           </a:p>
         </p:txBody>
       </p:sp>
@@ -4302,7 +4520,10 @@
                 <a:sym typeface="Helvetica"/>
               </a:defRPr>
             </a:pPr>
-            <a:endParaRPr/>
+            <a:endParaRPr dirty="0">
+              <a:latin typeface="メイリオ" panose="020B0604030504040204" pitchFamily="50" charset="-128"/>
+              <a:ea typeface="メイリオ" panose="020B0604030504040204" pitchFamily="50" charset="-128"/>
+            </a:endParaRPr>
           </a:p>
         </p:txBody>
       </p:sp>
@@ -4314,8 +4535,8 @@
         </p:nvSpPr>
         <p:spPr>
           <a:xfrm>
-            <a:off x="18844150" y="8909099"/>
-            <a:ext cx="3667461" cy="304801"/>
+            <a:off x="18691116" y="8852949"/>
+            <a:ext cx="4209316" cy="369332"/>
           </a:xfrm>
           <a:prstGeom prst="rect">
             <a:avLst/>
@@ -4325,12 +4546,12 @@
           </a:ln>
           <a:extLst>
             <a:ext uri="{C572A759-6A51-4108-AA02-DFA0A04FC94B}">
-              <ma14:wrappingTextBoxFlag xmlns:ma14="http://schemas.microsoft.com/office/mac/drawingml/2011/main" val="1"/>
+              <ma14:wrappingTextBoxFlag xmlns="" xmlns:ma14="http://schemas.microsoft.com/office/mac/drawingml/2011/main" val="1"/>
             </a:ext>
           </a:extLst>
         </p:spPr>
         <p:txBody>
-          <a:bodyPr lIns="0" tIns="0" rIns="0" bIns="0">
+          <a:bodyPr wrap="square" lIns="0" tIns="0" rIns="0" bIns="0">
             <a:spAutoFit/>
           </a:bodyPr>
           <a:lstStyle>
@@ -4348,8 +4569,16 @@
           </a:lstStyle>
           <a:p>
             <a:r>
-              <a:t>Multi-user whiteboard</a:t>
-            </a:r>
+              <a:rPr lang="ja-JP" altLang="en-US" sz="2400" dirty="0" smtClean="0">
+                <a:latin typeface="メイリオ" panose="020B0604030504040204" pitchFamily="50" charset="-128"/>
+                <a:ea typeface="メイリオ" panose="020B0604030504040204" pitchFamily="50" charset="-128"/>
+              </a:rPr>
+              <a:t>マルチユーザホワイトボード</a:t>
+            </a:r>
+            <a:endParaRPr sz="2400" dirty="0">
+              <a:latin typeface="メイリオ" panose="020B0604030504040204" pitchFamily="50" charset="-128"/>
+              <a:ea typeface="メイリオ" panose="020B0604030504040204" pitchFamily="50" charset="-128"/>
+            </a:endParaRPr>
           </a:p>
         </p:txBody>
       </p:sp>
@@ -4372,7 +4601,7 @@
           </a:ln>
           <a:extLst>
             <a:ext uri="{C572A759-6A51-4108-AA02-DFA0A04FC94B}">
-              <ma14:wrappingTextBoxFlag xmlns:ma14="http://schemas.microsoft.com/office/mac/drawingml/2011/main" val="1"/>
+              <ma14:wrappingTextBoxFlag xmlns="" xmlns:ma14="http://schemas.microsoft.com/office/mac/drawingml/2011/main" val="1"/>
             </a:ext>
           </a:extLst>
         </p:spPr>
@@ -4396,8 +4625,16 @@
           </a:lstStyle>
           <a:p>
             <a:r>
-              <a:t>Draw together.</a:t>
-            </a:r>
+              <a:rPr lang="ja-JP" altLang="en-US" dirty="0" smtClean="0">
+                <a:latin typeface="メイリオ" panose="020B0604030504040204" pitchFamily="50" charset="-128"/>
+                <a:ea typeface="メイリオ" panose="020B0604030504040204" pitchFamily="50" charset="-128"/>
+              </a:rPr>
+              <a:t>同時に書き込むことができます。</a:t>
+            </a:r>
+            <a:endParaRPr dirty="0">
+              <a:latin typeface="メイリオ" panose="020B0604030504040204" pitchFamily="50" charset="-128"/>
+              <a:ea typeface="メイリオ" panose="020B0604030504040204" pitchFamily="50" charset="-128"/>
+            </a:endParaRPr>
           </a:p>
         </p:txBody>
       </p:sp>
@@ -4437,7 +4674,10 @@
                 <a:sym typeface="Helvetica"/>
               </a:defRPr>
             </a:pPr>
-            <a:endParaRPr/>
+            <a:endParaRPr dirty="0">
+              <a:latin typeface="メイリオ" panose="020B0604030504040204" pitchFamily="50" charset="-128"/>
+              <a:ea typeface="メイリオ" panose="020B0604030504040204" pitchFamily="50" charset="-128"/>
+            </a:endParaRPr>
           </a:p>
         </p:txBody>
       </p:sp>
@@ -4449,8 +4689,8 @@
         </p:nvSpPr>
         <p:spPr>
           <a:xfrm>
-            <a:off x="6746255" y="11747599"/>
-            <a:ext cx="10561291" cy="711201"/>
+            <a:off x="6765181" y="11813004"/>
+            <a:ext cx="10889198" cy="656590"/>
           </a:xfrm>
           <a:prstGeom prst="rect">
             <a:avLst/>
@@ -4460,7 +4700,7 @@
           </a:ln>
           <a:extLst>
             <a:ext uri="{C572A759-6A51-4108-AA02-DFA0A04FC94B}">
-              <ma14:wrappingTextBoxFlag xmlns:ma14="http://schemas.microsoft.com/office/mac/drawingml/2011/main" val="1"/>
+              <ma14:wrappingTextBoxFlag xmlns="" xmlns:ma14="http://schemas.microsoft.com/office/mac/drawingml/2011/main" val="1"/>
             </a:ext>
           </a:extLst>
         </p:spPr>
@@ -4482,22 +4722,67 @@
               </a:defRPr>
             </a:pPr>
             <a:r>
-              <a:rPr dirty="0"/>
-              <a:t>For more information visit </a:t>
-            </a:r>
-            <a:r>
-              <a:rPr u="sng" dirty="0">
+              <a:rPr lang="ja-JP" altLang="en-US" sz="3600" dirty="0">
+                <a:latin typeface="メイリオ" panose="020B0604030504040204" pitchFamily="50" charset="-128"/>
+                <a:ea typeface="メイリオ" panose="020B0604030504040204" pitchFamily="50" charset="-128"/>
+              </a:rPr>
+              <a:t>詳細について</a:t>
+            </a:r>
+            <a:r>
+              <a:rPr lang="ja-JP" altLang="en-US" sz="3600" dirty="0" smtClean="0">
+                <a:latin typeface="メイリオ" panose="020B0604030504040204" pitchFamily="50" charset="-128"/>
+                <a:ea typeface="メイリオ" panose="020B0604030504040204" pitchFamily="50" charset="-128"/>
+              </a:rPr>
+              <a:t>は </a:t>
+            </a:r>
+            <a:r>
+              <a:rPr lang="en-US" altLang="ja-JP" sz="3600" u="sng" dirty="0" smtClean="0">
                 <a:solidFill>
                   <a:srgbClr val="0E70D7"/>
                 </a:solidFill>
+                <a:latin typeface="メイリオ" panose="020B0604030504040204" pitchFamily="50" charset="-128"/>
+                <a:ea typeface="メイリオ" panose="020B0604030504040204" pitchFamily="50" charset="-128"/>
                 <a:hlinkClick r:id="rId2"/>
               </a:rPr>
-              <a:t>bigbluebutton.org →</a:t>
-            </a:r>
-            <a:endParaRPr u="sng" dirty="0">
+              <a:t>bigbluebutton.org</a:t>
+            </a:r>
+            <a:r>
+              <a:rPr lang="ja-JP" altLang="en-US" sz="3600" u="sng" dirty="0" smtClean="0">
+                <a:solidFill>
+                  <a:srgbClr val="0E70D7"/>
+                </a:solidFill>
+                <a:latin typeface="メイリオ" panose="020B0604030504040204" pitchFamily="50" charset="-128"/>
+                <a:ea typeface="メイリオ" panose="020B0604030504040204" pitchFamily="50" charset="-128"/>
+              </a:rPr>
+              <a:t> </a:t>
+            </a:r>
+            <a:r>
+              <a:rPr lang="ja-JP" altLang="en-US" sz="3600" dirty="0" smtClean="0">
+                <a:latin typeface="メイリオ" panose="020B0604030504040204" pitchFamily="50" charset="-128"/>
+                <a:ea typeface="メイリオ" panose="020B0604030504040204" pitchFamily="50" charset="-128"/>
+              </a:rPr>
+              <a:t>を</a:t>
+            </a:r>
+            <a:r>
+              <a:rPr lang="ja-JP" altLang="en-US" sz="3600" dirty="0">
+                <a:latin typeface="メイリオ" panose="020B0604030504040204" pitchFamily="50" charset="-128"/>
+                <a:ea typeface="メイリオ" panose="020B0604030504040204" pitchFamily="50" charset="-128"/>
+              </a:rPr>
+              <a:t>ご覧</a:t>
+            </a:r>
+            <a:r>
+              <a:rPr lang="ja-JP" altLang="en-US" sz="3600" dirty="0" smtClean="0">
+                <a:latin typeface="メイリオ" panose="020B0604030504040204" pitchFamily="50" charset="-128"/>
+                <a:ea typeface="メイリオ" panose="020B0604030504040204" pitchFamily="50" charset="-128"/>
+              </a:rPr>
+              <a:t>ください</a:t>
+            </a:r>
+            <a:endParaRPr sz="3600" u="sng" dirty="0">
               <a:solidFill>
                 <a:srgbClr val="0E70D7"/>
               </a:solidFill>
+              <a:latin typeface="メイリオ" panose="020B0604030504040204" pitchFamily="50" charset="-128"/>
+              <a:ea typeface="メイリオ" panose="020B0604030504040204" pitchFamily="50" charset="-128"/>
               <a:hlinkClick r:id="rId3"/>
             </a:endParaRPr>
           </a:p>
@@ -5094,7 +5379,7 @@
   <p:clrMapOvr>
     <a:masterClrMapping/>
   </p:clrMapOvr>
-  <p:transition xmlns:p14="http://schemas.microsoft.com/office/powerpoint/2010/main" spd="med"/>
+  <p:transition spd="med"/>
 </p:sld>
 </file>
 
@@ -5123,8 +5408,8 @@
         </p:nvSpPr>
         <p:spPr>
           <a:xfrm>
-            <a:off x="6237111" y="12728316"/>
-            <a:ext cx="13095111" cy="564257"/>
+            <a:off x="5647831" y="12743705"/>
+            <a:ext cx="13095111" cy="533479"/>
           </a:xfrm>
           <a:prstGeom prst="rect">
             <a:avLst/>
@@ -5155,44 +5440,14 @@
           </a:bodyPr>
           <a:lstStyle/>
           <a:p>
-            <a:pPr marL="0" marR="0" indent="0" algn="ctr" defTabSz="825500" rtl="0" fontAlgn="auto" latinLnBrk="0" hangingPunct="0">
-              <a:lnSpc>
-                <a:spcPct val="100000"/>
-              </a:lnSpc>
-              <a:spcBef>
-                <a:spcPts val="0"/>
-              </a:spcBef>
-              <a:spcAft>
-                <a:spcPts val="0"/>
-              </a:spcAft>
-              <a:buClrTx/>
-              <a:buSzTx/>
-              <a:buFontTx/>
-              <a:buNone/>
-              <a:tabLst/>
-            </a:pPr>
-            <a:r>
-              <a:rPr kumimoji="0" lang="en-US" sz="3000" b="1" i="0" u="none" strike="noStrike" cap="none" spc="0" normalizeH="0" baseline="0" dirty="0" smtClean="0">
-                <a:ln>
-                  <a:noFill/>
-                </a:ln>
-                <a:solidFill>
-                  <a:srgbClr val="000000"/>
-                </a:solidFill>
-                <a:effectLst/>
-                <a:uFillTx/>
-                <a:latin typeface="Helvetica Neue"/>
-                <a:ea typeface="Helvetica Neue"/>
-                <a:cs typeface="Helvetica Neue"/>
-                <a:sym typeface="Helvetica Neue"/>
+            <a:r>
+              <a:rPr lang="ja-JP" altLang="en-US" sz="2800" dirty="0">
+                <a:latin typeface="メイリオ" panose="020B0604030504040204" pitchFamily="50" charset="-128"/>
+                <a:ea typeface="メイリオ" panose="020B0604030504040204" pitchFamily="50" charset="-128"/>
               </a:rPr>
-              <a:t>Thi</a:t>
-            </a:r>
-            <a:r>
-              <a:rPr lang="en-US" dirty="0" smtClean="0"/>
-              <a:t>s slide left blank for whiteboard</a:t>
-            </a:r>
-            <a:endParaRPr kumimoji="0" lang="en-US" sz="3000" b="1" i="0" u="none" strike="noStrike" cap="none" spc="0" normalizeH="0" baseline="0" dirty="0">
+              <a:t>このスライドはホワイトボード用に空白のままにしています</a:t>
+            </a:r>
+            <a:endParaRPr kumimoji="0" lang="en-US" sz="2800" b="1" i="0" u="none" strike="noStrike" cap="none" spc="0" normalizeH="0" baseline="0" dirty="0">
               <a:ln>
                 <a:noFill/>
               </a:ln>
@@ -5201,9 +5456,8 @@
               </a:solidFill>
               <a:effectLst/>
               <a:uFillTx/>
-              <a:latin typeface="Helvetica Neue"/>
-              <a:ea typeface="Helvetica Neue"/>
-              <a:cs typeface="Helvetica Neue"/>
+              <a:latin typeface="メイリオ" panose="020B0604030504040204" pitchFamily="50" charset="-128"/>
+              <a:ea typeface="メイリオ" panose="020B0604030504040204" pitchFamily="50" charset="-128"/>
               <a:sym typeface="Helvetica Neue"/>
             </a:endParaRPr>
           </a:p>
@@ -5219,7 +5473,7 @@
   <p:clrMapOvr>
     <a:masterClrMapping/>
   </p:clrMapOvr>
-  <p:transition xmlns:p14="http://schemas.microsoft.com/office/powerpoint/2010/main" spd="med"/>
+  <p:transition spd="med"/>
 </p:sld>
 </file>
 
@@ -5242,14 +5496,14 @@
       </p:grpSpPr>
       <p:sp>
         <p:nvSpPr>
-          <p:cNvPr id="6" name="TextBox 5"/>
+          <p:cNvPr id="3" name="TextBox 5"/>
           <p:cNvSpPr txBox="1"/>
           <p:nvPr/>
         </p:nvSpPr>
         <p:spPr>
           <a:xfrm>
-            <a:off x="6237111" y="12728316"/>
-            <a:ext cx="13095111" cy="564257"/>
+            <a:off x="5647831" y="12743705"/>
+            <a:ext cx="13095111" cy="533479"/>
           </a:xfrm>
           <a:prstGeom prst="rect">
             <a:avLst/>
@@ -5280,44 +5534,14 @@
           </a:bodyPr>
           <a:lstStyle/>
           <a:p>
-            <a:pPr marL="0" marR="0" indent="0" algn="ctr" defTabSz="825500" rtl="0" fontAlgn="auto" latinLnBrk="0" hangingPunct="0">
-              <a:lnSpc>
-                <a:spcPct val="100000"/>
-              </a:lnSpc>
-              <a:spcBef>
-                <a:spcPts val="0"/>
-              </a:spcBef>
-              <a:spcAft>
-                <a:spcPts val="0"/>
-              </a:spcAft>
-              <a:buClrTx/>
-              <a:buSzTx/>
-              <a:buFontTx/>
-              <a:buNone/>
-              <a:tabLst/>
-            </a:pPr>
-            <a:r>
-              <a:rPr kumimoji="0" lang="en-US" sz="3000" b="1" i="0" u="none" strike="noStrike" cap="none" spc="0" normalizeH="0" baseline="0" dirty="0" smtClean="0">
-                <a:ln>
-                  <a:noFill/>
-                </a:ln>
-                <a:solidFill>
-                  <a:srgbClr val="000000"/>
-                </a:solidFill>
-                <a:effectLst/>
-                <a:uFillTx/>
-                <a:latin typeface="Helvetica Neue"/>
-                <a:ea typeface="Helvetica Neue"/>
-                <a:cs typeface="Helvetica Neue"/>
-                <a:sym typeface="Helvetica Neue"/>
+            <a:r>
+              <a:rPr lang="ja-JP" altLang="en-US" sz="2800" dirty="0">
+                <a:latin typeface="メイリオ" panose="020B0604030504040204" pitchFamily="50" charset="-128"/>
+                <a:ea typeface="メイリオ" panose="020B0604030504040204" pitchFamily="50" charset="-128"/>
               </a:rPr>
-              <a:t>Thi</a:t>
-            </a:r>
-            <a:r>
-              <a:rPr lang="en-US" dirty="0" smtClean="0"/>
-              <a:t>s slide left blank for whiteboard</a:t>
-            </a:r>
-            <a:endParaRPr kumimoji="0" lang="en-US" sz="3000" b="1" i="0" u="none" strike="noStrike" cap="none" spc="0" normalizeH="0" baseline="0" dirty="0">
+              <a:t>このスライドはホワイトボード用に空白のままにしています</a:t>
+            </a:r>
+            <a:endParaRPr kumimoji="0" lang="en-US" sz="2800" b="1" i="0" u="none" strike="noStrike" cap="none" spc="0" normalizeH="0" baseline="0" dirty="0">
               <a:ln>
                 <a:noFill/>
               </a:ln>
@@ -5326,9 +5550,8 @@
               </a:solidFill>
               <a:effectLst/>
               <a:uFillTx/>
-              <a:latin typeface="Helvetica Neue"/>
-              <a:ea typeface="Helvetica Neue"/>
-              <a:cs typeface="Helvetica Neue"/>
+              <a:latin typeface="メイリオ" panose="020B0604030504040204" pitchFamily="50" charset="-128"/>
+              <a:ea typeface="メイリオ" panose="020B0604030504040204" pitchFamily="50" charset="-128"/>
               <a:sym typeface="Helvetica Neue"/>
             </a:endParaRPr>
           </a:p>
@@ -5344,7 +5567,7 @@
   <p:clrMapOvr>
     <a:masterClrMapping/>
   </p:clrMapOvr>
-  <p:transition xmlns:p14="http://schemas.microsoft.com/office/powerpoint/2010/main" spd="med"/>
+  <p:transition spd="med"/>
 </p:sld>
 </file>
 
@@ -5367,14 +5590,14 @@
       </p:grpSpPr>
       <p:sp>
         <p:nvSpPr>
-          <p:cNvPr id="6" name="TextBox 5"/>
+          <p:cNvPr id="3" name="TextBox 5"/>
           <p:cNvSpPr txBox="1"/>
           <p:nvPr/>
         </p:nvSpPr>
         <p:spPr>
           <a:xfrm>
-            <a:off x="6237111" y="12728316"/>
-            <a:ext cx="13095111" cy="564257"/>
+            <a:off x="5647831" y="12743705"/>
+            <a:ext cx="13095111" cy="533479"/>
           </a:xfrm>
           <a:prstGeom prst="rect">
             <a:avLst/>
@@ -5405,44 +5628,14 @@
           </a:bodyPr>
           <a:lstStyle/>
           <a:p>
-            <a:pPr marL="0" marR="0" indent="0" algn="ctr" defTabSz="825500" rtl="0" fontAlgn="auto" latinLnBrk="0" hangingPunct="0">
-              <a:lnSpc>
-                <a:spcPct val="100000"/>
-              </a:lnSpc>
-              <a:spcBef>
-                <a:spcPts val="0"/>
-              </a:spcBef>
-              <a:spcAft>
-                <a:spcPts val="0"/>
-              </a:spcAft>
-              <a:buClrTx/>
-              <a:buSzTx/>
-              <a:buFontTx/>
-              <a:buNone/>
-              <a:tabLst/>
-            </a:pPr>
-            <a:r>
-              <a:rPr kumimoji="0" lang="en-US" sz="3000" b="1" i="0" u="none" strike="noStrike" cap="none" spc="0" normalizeH="0" baseline="0" dirty="0" smtClean="0">
-                <a:ln>
-                  <a:noFill/>
-                </a:ln>
-                <a:solidFill>
-                  <a:srgbClr val="000000"/>
-                </a:solidFill>
-                <a:effectLst/>
-                <a:uFillTx/>
-                <a:latin typeface="Helvetica Neue"/>
-                <a:ea typeface="Helvetica Neue"/>
-                <a:cs typeface="Helvetica Neue"/>
-                <a:sym typeface="Helvetica Neue"/>
+            <a:r>
+              <a:rPr lang="ja-JP" altLang="en-US" sz="2800" dirty="0">
+                <a:latin typeface="メイリオ" panose="020B0604030504040204" pitchFamily="50" charset="-128"/>
+                <a:ea typeface="メイリオ" panose="020B0604030504040204" pitchFamily="50" charset="-128"/>
               </a:rPr>
-              <a:t>Thi</a:t>
-            </a:r>
-            <a:r>
-              <a:rPr lang="en-US" dirty="0" smtClean="0"/>
-              <a:t>s slide left blank for whiteboard</a:t>
-            </a:r>
-            <a:endParaRPr kumimoji="0" lang="en-US" sz="3000" b="1" i="0" u="none" strike="noStrike" cap="none" spc="0" normalizeH="0" baseline="0" dirty="0">
+              <a:t>このスライドはホワイトボード用に空白のままにしています</a:t>
+            </a:r>
+            <a:endParaRPr kumimoji="0" lang="en-US" sz="2800" b="1" i="0" u="none" strike="noStrike" cap="none" spc="0" normalizeH="0" baseline="0" dirty="0">
               <a:ln>
                 <a:noFill/>
               </a:ln>
@@ -5451,9 +5644,8 @@
               </a:solidFill>
               <a:effectLst/>
               <a:uFillTx/>
-              <a:latin typeface="Helvetica Neue"/>
-              <a:ea typeface="Helvetica Neue"/>
-              <a:cs typeface="Helvetica Neue"/>
+              <a:latin typeface="メイリオ" panose="020B0604030504040204" pitchFamily="50" charset="-128"/>
+              <a:ea typeface="メイリオ" panose="020B0604030504040204" pitchFamily="50" charset="-128"/>
               <a:sym typeface="Helvetica Neue"/>
             </a:endParaRPr>
           </a:p>
@@ -5469,7 +5661,7 @@
   <p:clrMapOvr>
     <a:masterClrMapping/>
   </p:clrMapOvr>
-  <p:transition xmlns:p14="http://schemas.microsoft.com/office/powerpoint/2010/main" spd="med"/>
+  <p:transition spd="med"/>
 </p:sld>
 </file>
 
@@ -5492,14 +5684,14 @@
       </p:grpSpPr>
       <p:sp>
         <p:nvSpPr>
-          <p:cNvPr id="6" name="TextBox 5"/>
+          <p:cNvPr id="3" name="TextBox 5"/>
           <p:cNvSpPr txBox="1"/>
           <p:nvPr/>
         </p:nvSpPr>
         <p:spPr>
           <a:xfrm>
-            <a:off x="6237111" y="12728316"/>
-            <a:ext cx="13095111" cy="564257"/>
+            <a:off x="5647831" y="12743705"/>
+            <a:ext cx="13095111" cy="533479"/>
           </a:xfrm>
           <a:prstGeom prst="rect">
             <a:avLst/>
@@ -5530,44 +5722,14 @@
           </a:bodyPr>
           <a:lstStyle/>
           <a:p>
-            <a:pPr marL="0" marR="0" indent="0" algn="ctr" defTabSz="825500" rtl="0" fontAlgn="auto" latinLnBrk="0" hangingPunct="0">
-              <a:lnSpc>
-                <a:spcPct val="100000"/>
-              </a:lnSpc>
-              <a:spcBef>
-                <a:spcPts val="0"/>
-              </a:spcBef>
-              <a:spcAft>
-                <a:spcPts val="0"/>
-              </a:spcAft>
-              <a:buClrTx/>
-              <a:buSzTx/>
-              <a:buFontTx/>
-              <a:buNone/>
-              <a:tabLst/>
-            </a:pPr>
-            <a:r>
-              <a:rPr kumimoji="0" lang="en-US" sz="3000" b="1" i="0" u="none" strike="noStrike" cap="none" spc="0" normalizeH="0" baseline="0" dirty="0" smtClean="0">
-                <a:ln>
-                  <a:noFill/>
-                </a:ln>
-                <a:solidFill>
-                  <a:srgbClr val="000000"/>
-                </a:solidFill>
-                <a:effectLst/>
-                <a:uFillTx/>
-                <a:latin typeface="Helvetica Neue"/>
-                <a:ea typeface="Helvetica Neue"/>
-                <a:cs typeface="Helvetica Neue"/>
-                <a:sym typeface="Helvetica Neue"/>
+            <a:r>
+              <a:rPr lang="ja-JP" altLang="en-US" sz="2800" dirty="0">
+                <a:latin typeface="メイリオ" panose="020B0604030504040204" pitchFamily="50" charset="-128"/>
+                <a:ea typeface="メイリオ" panose="020B0604030504040204" pitchFamily="50" charset="-128"/>
               </a:rPr>
-              <a:t>Thi</a:t>
-            </a:r>
-            <a:r>
-              <a:rPr lang="en-US" dirty="0" smtClean="0"/>
-              <a:t>s slide left blank for whiteboard</a:t>
-            </a:r>
-            <a:endParaRPr kumimoji="0" lang="en-US" sz="3000" b="1" i="0" u="none" strike="noStrike" cap="none" spc="0" normalizeH="0" baseline="0" dirty="0">
+              <a:t>このスライドはホワイトボード用に空白のままにしています</a:t>
+            </a:r>
+            <a:endParaRPr kumimoji="0" lang="en-US" sz="2800" b="1" i="0" u="none" strike="noStrike" cap="none" spc="0" normalizeH="0" baseline="0" dirty="0">
               <a:ln>
                 <a:noFill/>
               </a:ln>
@@ -5576,9 +5738,8 @@
               </a:solidFill>
               <a:effectLst/>
               <a:uFillTx/>
-              <a:latin typeface="Helvetica Neue"/>
-              <a:ea typeface="Helvetica Neue"/>
-              <a:cs typeface="Helvetica Neue"/>
+              <a:latin typeface="メイリオ" panose="020B0604030504040204" pitchFamily="50" charset="-128"/>
+              <a:ea typeface="メイリオ" panose="020B0604030504040204" pitchFamily="50" charset="-128"/>
               <a:sym typeface="Helvetica Neue"/>
             </a:endParaRPr>
           </a:p>
@@ -5594,7 +5755,7 @@
   <p:clrMapOvr>
     <a:masterClrMapping/>
   </p:clrMapOvr>
-  <p:transition xmlns:p14="http://schemas.microsoft.com/office/powerpoint/2010/main" spd="med"/>
+  <p:transition spd="med"/>
 </p:sld>
 </file>
 
@@ -5617,14 +5778,14 @@
       </p:grpSpPr>
       <p:sp>
         <p:nvSpPr>
-          <p:cNvPr id="6" name="TextBox 5"/>
+          <p:cNvPr id="3" name="TextBox 5"/>
           <p:cNvSpPr txBox="1"/>
           <p:nvPr/>
         </p:nvSpPr>
         <p:spPr>
           <a:xfrm>
-            <a:off x="6237111" y="12728316"/>
-            <a:ext cx="13095111" cy="564257"/>
+            <a:off x="5647831" y="12743705"/>
+            <a:ext cx="13095111" cy="533479"/>
           </a:xfrm>
           <a:prstGeom prst="rect">
             <a:avLst/>
@@ -5655,44 +5816,14 @@
           </a:bodyPr>
           <a:lstStyle/>
           <a:p>
-            <a:pPr marL="0" marR="0" indent="0" algn="ctr" defTabSz="825500" rtl="0" fontAlgn="auto" latinLnBrk="0" hangingPunct="0">
-              <a:lnSpc>
-                <a:spcPct val="100000"/>
-              </a:lnSpc>
-              <a:spcBef>
-                <a:spcPts val="0"/>
-              </a:spcBef>
-              <a:spcAft>
-                <a:spcPts val="0"/>
-              </a:spcAft>
-              <a:buClrTx/>
-              <a:buSzTx/>
-              <a:buFontTx/>
-              <a:buNone/>
-              <a:tabLst/>
-            </a:pPr>
-            <a:r>
-              <a:rPr kumimoji="0" lang="en-US" sz="3000" b="1" i="0" u="none" strike="noStrike" cap="none" spc="0" normalizeH="0" baseline="0" dirty="0" smtClean="0">
-                <a:ln>
-                  <a:noFill/>
-                </a:ln>
-                <a:solidFill>
-                  <a:srgbClr val="000000"/>
-                </a:solidFill>
-                <a:effectLst/>
-                <a:uFillTx/>
-                <a:latin typeface="Helvetica Neue"/>
-                <a:ea typeface="Helvetica Neue"/>
-                <a:cs typeface="Helvetica Neue"/>
-                <a:sym typeface="Helvetica Neue"/>
+            <a:r>
+              <a:rPr lang="ja-JP" altLang="en-US" sz="2800" dirty="0">
+                <a:latin typeface="メイリオ" panose="020B0604030504040204" pitchFamily="50" charset="-128"/>
+                <a:ea typeface="メイリオ" panose="020B0604030504040204" pitchFamily="50" charset="-128"/>
               </a:rPr>
-              <a:t>Thi</a:t>
-            </a:r>
-            <a:r>
-              <a:rPr lang="en-US" dirty="0" smtClean="0"/>
-              <a:t>s slide left blank for whiteboard</a:t>
-            </a:r>
-            <a:endParaRPr kumimoji="0" lang="en-US" sz="3000" b="1" i="0" u="none" strike="noStrike" cap="none" spc="0" normalizeH="0" baseline="0" dirty="0">
+              <a:t>このスライドはホワイトボード用に空白のままにしています</a:t>
+            </a:r>
+            <a:endParaRPr kumimoji="0" lang="en-US" sz="2800" b="1" i="0" u="none" strike="noStrike" cap="none" spc="0" normalizeH="0" baseline="0" dirty="0">
               <a:ln>
                 <a:noFill/>
               </a:ln>
@@ -5701,9 +5832,8 @@
               </a:solidFill>
               <a:effectLst/>
               <a:uFillTx/>
-              <a:latin typeface="Helvetica Neue"/>
-              <a:ea typeface="Helvetica Neue"/>
-              <a:cs typeface="Helvetica Neue"/>
+              <a:latin typeface="メイリオ" panose="020B0604030504040204" pitchFamily="50" charset="-128"/>
+              <a:ea typeface="メイリオ" panose="020B0604030504040204" pitchFamily="50" charset="-128"/>
               <a:sym typeface="Helvetica Neue"/>
             </a:endParaRPr>
           </a:p>
@@ -5719,7 +5849,7 @@
   <p:clrMapOvr>
     <a:masterClrMapping/>
   </p:clrMapOvr>
-  <p:transition xmlns:p14="http://schemas.microsoft.com/office/powerpoint/2010/main" spd="med"/>
+  <p:transition spd="med"/>
 </p:sld>
 </file>
 
